--- a/resources/instructor-notes/KMB-Opening.pptx
+++ b/resources/instructor-notes/KMB-Opening.pptx
@@ -712,7 +712,7 @@
               <a:rPr lang="en-US" smtClean="0">
                 <a:latin typeface="Segoe UI" pitchFamily="34" charset="0"/>
               </a:rPr>
-              <a:t>11/20/2018 7:48 PM</a:t>
+              <a:t>2/22/2019 8:45 PM</a:t>
             </a:fld>
             <a:endParaRPr lang="en-US" dirty="0">
               <a:latin typeface="Segoe UI" pitchFamily="34" charset="0"/>
@@ -990,7 +990,7 @@
           <a:p>
             <a:fld id="{2A684A5B-FAB6-4A00-8C57-4D12C178E703}" type="datetime8">
               <a:rPr lang="en-US" smtClean="0"/>
-              <a:t>11/20/2018 7:47 PM</a:t>
+              <a:t>2/22/2019 8:45 PM</a:t>
             </a:fld>
             <a:endParaRPr lang="en-US" dirty="0"/>
           </a:p>
@@ -1555,7 +1555,7 @@
           <a:p>
             <a:fld id="{C897AF20-E950-43F5-A941-0852669C7E57}" type="datetime8">
               <a:rPr lang="en-US" smtClean="0"/>
-              <a:t>11/20/2018 7:47 PM</a:t>
+              <a:t>2/22/2019 8:45 PM</a:t>
             </a:fld>
             <a:endParaRPr lang="en-US" dirty="0"/>
           </a:p>
@@ -1895,7 +1895,7 @@
                 <a:ea typeface="+mn-ea"/>
                 <a:cs typeface="+mn-cs"/>
               </a:rPr>
-              <a:t>11/20/2018 7:47 PM</a:t>
+              <a:t>2/22/2019 8:45 PM</a:t>
             </a:fld>
             <a:endParaRPr kumimoji="0" lang="en-US" sz="1200" b="0" i="0" u="none" strike="noStrike" kern="1200" cap="none" spc="0" normalizeH="0" baseline="0" noProof="0" dirty="0">
               <a:ln>
@@ -2330,7 +2330,7 @@
           <a:p>
             <a:fld id="{33E63E2A-4DE7-4D8C-969C-2BA395D9F4E0}" type="datetime8">
               <a:rPr lang="en-US" smtClean="0"/>
-              <a:t>11/20/2018 7:47 PM</a:t>
+              <a:t>2/22/2019 8:45 PM</a:t>
             </a:fld>
             <a:endParaRPr lang="en-US" dirty="0"/>
           </a:p>
@@ -2670,7 +2670,7 @@
                 <a:ea typeface="+mn-ea"/>
                 <a:cs typeface="+mn-cs"/>
               </a:rPr>
-              <a:t>11/20/2018 7:47 PM</a:t>
+              <a:t>2/22/2019 8:45 PM</a:t>
             </a:fld>
             <a:endParaRPr kumimoji="0" lang="en-US" sz="1200" b="0" i="0" u="none" strike="noStrike" kern="1200" cap="none" spc="0" normalizeH="0" baseline="0" noProof="0" dirty="0">
               <a:ln>
@@ -3105,7 +3105,7 @@
           <a:p>
             <a:fld id="{33E63E2A-4DE7-4D8C-969C-2BA395D9F4E0}" type="datetime8">
               <a:rPr lang="en-US" smtClean="0"/>
-              <a:t>11/20/2018 7:47 PM</a:t>
+              <a:t>2/22/2019 8:45 PM</a:t>
             </a:fld>
             <a:endParaRPr lang="en-US" dirty="0"/>
           </a:p>
@@ -3445,7 +3445,7 @@
                 <a:ea typeface="+mn-ea"/>
                 <a:cs typeface="+mn-cs"/>
               </a:rPr>
-              <a:t>11/20/2018 7:47 PM</a:t>
+              <a:t>2/22/2019 8:45 PM</a:t>
             </a:fld>
             <a:endParaRPr kumimoji="0" lang="en-US" sz="1200" b="0" i="0" u="none" strike="noStrike" kern="1200" cap="none" spc="0" normalizeH="0" baseline="0" noProof="0" dirty="0">
               <a:ln>
@@ -3789,7 +3789,7 @@
                 <a:ea typeface="+mn-ea"/>
                 <a:cs typeface="+mn-cs"/>
               </a:rPr>
-              <a:t>11/20/2018 7:47 PM</a:t>
+              <a:t>2/22/2019 8:45 PM</a:t>
             </a:fld>
             <a:endParaRPr kumimoji="0" lang="en-US" sz="1200" b="0" i="0" u="none" strike="noStrike" kern="1200" cap="none" spc="0" normalizeH="0" baseline="0" noProof="0" dirty="0">
               <a:ln>
@@ -4224,7 +4224,7 @@
           <a:p>
             <a:fld id="{33E63E2A-4DE7-4D8C-969C-2BA395D9F4E0}" type="datetime8">
               <a:rPr lang="en-US" smtClean="0"/>
-              <a:t>11/20/2018 7:47 PM</a:t>
+              <a:t>2/22/2019 8:45 PM</a:t>
             </a:fld>
             <a:endParaRPr lang="en-US" dirty="0"/>
           </a:p>
@@ -4564,7 +4564,7 @@
                 <a:ea typeface="+mn-ea"/>
                 <a:cs typeface="+mn-cs"/>
               </a:rPr>
-              <a:t>11/20/2018 7:47 PM</a:t>
+              <a:t>2/22/2019 8:45 PM</a:t>
             </a:fld>
             <a:endParaRPr kumimoji="0" lang="en-US" sz="1200" b="0" i="0" u="none" strike="noStrike" kern="1200" cap="none" spc="0" normalizeH="0" baseline="0" noProof="0" dirty="0">
               <a:ln>
@@ -4908,7 +4908,7 @@
                 <a:ea typeface="+mn-ea"/>
                 <a:cs typeface="+mn-cs"/>
               </a:rPr>
-              <a:t>11/20/2018 7:47 PM</a:t>
+              <a:t>2/22/2019 8:49 PM</a:t>
             </a:fld>
             <a:endParaRPr kumimoji="0" lang="en-US" sz="1200" b="0" i="0" u="none" strike="noStrike" kern="1200" cap="none" spc="0" normalizeH="0" baseline="0" noProof="0" dirty="0">
               <a:ln>
@@ -5252,7 +5252,7 @@
                 <a:ea typeface="+mn-ea"/>
                 <a:cs typeface="+mn-cs"/>
               </a:rPr>
-              <a:t>11/20/2018 7:47 PM</a:t>
+              <a:t>2/22/2019 8:45 PM</a:t>
             </a:fld>
             <a:endParaRPr kumimoji="0" lang="en-US" sz="1200" b="0" i="0" u="none" strike="noStrike" kern="1200" cap="none" spc="0" normalizeH="0" baseline="0" noProof="0" dirty="0">
               <a:ln>
@@ -5596,7 +5596,7 @@
                 <a:ea typeface="+mn-ea"/>
                 <a:cs typeface="+mn-cs"/>
               </a:rPr>
-              <a:t>11/20/2018 7:47 PM</a:t>
+              <a:t>2/22/2019 8:45 PM</a:t>
             </a:fld>
             <a:endParaRPr kumimoji="0" lang="en-US" sz="1200" b="0" i="0" u="none" strike="noStrike" kern="1200" cap="none" spc="0" normalizeH="0" baseline="0" noProof="0" dirty="0">
               <a:ln>
@@ -11778,7 +11778,7 @@
         <p:spPr>
           <a:xfrm>
             <a:off x="584200" y="3962400"/>
-            <a:ext cx="9144000" cy="1846659"/>
+            <a:ext cx="9144000" cy="615553"/>
           </a:xfrm>
         </p:spPr>
         <p:txBody>
@@ -11787,113 +11787,13 @@
           <a:p>
             <a:r>
               <a:rPr lang="en-US" dirty="0"/>
-              <a:t>Anna Thomas</a:t>
+              <a:t>LearnAI Team</a:t>
             </a:r>
           </a:p>
           <a:p>
             <a:r>
               <a:rPr lang="en-US" dirty="0"/>
-              <a:t>Chris Testa-O’Neill </a:t>
-            </a:r>
-          </a:p>
-          <a:p>
-            <a:r>
-              <a:rPr lang="en-US" dirty="0"/>
-              <a:t>Rodrigo Souza</a:t>
-            </a:r>
-          </a:p>
-          <a:p>
-            <a:endParaRPr lang="en-US" dirty="0"/>
-          </a:p>
-          <a:p>
-            <a:r>
-              <a:rPr lang="en-US" dirty="0"/>
-              <a:t>Applied Data Scientists</a:t>
-            </a:r>
-          </a:p>
-          <a:p>
-            <a:r>
-              <a:rPr lang="en-US" dirty="0"/>
-              <a:t>LearnAI Team / Cloud &amp; AI</a:t>
-            </a:r>
-          </a:p>
-        </p:txBody>
-      </p:sp>
-      <p:sp>
-        <p:nvSpPr>
-          <p:cNvPr id="2" name="Explosion: 8 Points 1">
-            <a:extLst>
-              <a:ext uri="{FF2B5EF4-FFF2-40B4-BE49-F238E27FC236}">
-                <a16:creationId xmlns:a16="http://schemas.microsoft.com/office/drawing/2014/main" id="{5E62528D-265A-421C-8C2E-E490FBA7C582}"/>
-              </a:ext>
-            </a:extLst>
-          </p:cNvPr>
-          <p:cNvSpPr/>
-          <p:nvPr/>
-        </p:nvSpPr>
-        <p:spPr bwMode="auto">
-          <a:xfrm>
-            <a:off x="6096000" y="2743202"/>
-            <a:ext cx="5234609" cy="3949148"/>
-          </a:xfrm>
-          <a:prstGeom prst="irregularSeal1">
-            <a:avLst/>
-          </a:prstGeom>
-          <a:solidFill>
-            <a:schemeClr val="accent1"/>
-          </a:solidFill>
-          <a:ln>
-            <a:noFill/>
-          </a:ln>
-        </p:spPr>
-        <p:style>
-          <a:lnRef idx="0">
-            <a:scrgbClr r="0" g="0" b="0"/>
-          </a:lnRef>
-          <a:fillRef idx="0">
-            <a:scrgbClr r="0" g="0" b="0"/>
-          </a:fillRef>
-          <a:effectRef idx="0">
-            <a:scrgbClr r="0" g="0" b="0"/>
-          </a:effectRef>
-          <a:fontRef idx="minor">
-            <a:schemeClr val="lt1"/>
-          </a:fontRef>
-        </p:style>
-        <p:txBody>
-          <a:bodyPr rot="0" spcFirstLastPara="0" vert="horz" wrap="square" lIns="182880" tIns="146304" rIns="182880" bIns="146304" numCol="1" spcCol="0" rtlCol="0" fromWordArt="0" anchor="t" anchorCtr="0" forceAA="0" compatLnSpc="1">
-            <a:prstTxWarp prst="textNoShape">
-              <a:avLst/>
-            </a:prstTxWarp>
-            <a:noAutofit/>
-          </a:bodyPr>
-          <a:lstStyle/>
-          <a:p>
-            <a:pPr algn="ctr" defTabSz="932472" fontAlgn="base">
-              <a:spcBef>
-                <a:spcPct val="0"/>
-              </a:spcBef>
-              <a:spcAft>
-                <a:spcPct val="0"/>
-              </a:spcAft>
-            </a:pPr>
-            <a:r>
-              <a:rPr lang="en-US" sz="2000" b="1" dirty="0">
-                <a:gradFill>
-                  <a:gsLst>
-                    <a:gs pos="0">
-                      <a:srgbClr val="FFFFFF"/>
-                    </a:gs>
-                    <a:gs pos="100000">
-                      <a:srgbClr val="FFFFFF"/>
-                    </a:gs>
-                  </a:gsLst>
-                  <a:lin ang="5400000" scaled="0"/>
-                </a:gradFill>
-                <a:ea typeface="Segoe UI" pitchFamily="34" charset="0"/>
-                <a:cs typeface="Segoe UI" pitchFamily="34" charset="0"/>
-              </a:rPr>
-              <a:t>If you need help to join the network, let me know!!</a:t>
+              <a:t>Cloud &amp; AI</a:t>
             </a:r>
           </a:p>
         </p:txBody>
@@ -15287,8 +15187,8 @@
         </p:nvSpPr>
         <p:spPr>
           <a:xfrm>
-            <a:off x="447923" y="1318022"/>
-            <a:ext cx="7193848" cy="2716128"/>
+            <a:off x="447922" y="1318022"/>
+            <a:ext cx="11502777" cy="3530967"/>
           </a:xfrm>
           <a:prstGeom prst="rect">
             <a:avLst/>
@@ -15311,9 +15211,6 @@
             </a:r>
           </a:p>
           <a:p>
-            <a:endParaRPr lang="en-US" b="1" dirty="0"/>
-          </a:p>
-          <a:p>
             <a:r>
               <a:rPr lang="en-US" b="1" dirty="0">
                 <a:hlinkClick r:id="rId3"/>
@@ -15342,14 +15239,71 @@
             </a:r>
           </a:p>
           <a:p>
-            <a:endParaRPr lang="en-US" b="1" dirty="0"/>
-          </a:p>
-          <a:p>
             <a:r>
               <a:rPr lang="en-US" b="1" dirty="0">
                 <a:hlinkClick r:id="rId4"/>
               </a:rPr>
               <a:t>https://www.zdnet.com/article/power-bi-delivers-ai-power/</a:t>
+            </a:r>
+            <a:r>
+              <a:rPr lang="en-US" b="1" dirty="0"/>
+              <a:t> </a:t>
+            </a:r>
+          </a:p>
+          <a:p>
+            <a:endParaRPr lang="en-US" b="1" dirty="0"/>
+          </a:p>
+          <a:p>
+            <a:pPr marL="285750" indent="-285750">
+              <a:buFont typeface="Arial" panose="020B0604020202020204" pitchFamily="34" charset="0"/>
+              <a:buChar char="•"/>
+            </a:pPr>
+            <a:r>
+              <a:rPr lang="en-US" b="1" dirty="0"/>
+              <a:t>New Certifications! Beta for a </a:t>
+            </a:r>
+            <a:r>
+              <a:rPr lang="en-US" b="1"/>
+              <a:t>limited time!</a:t>
+            </a:r>
+            <a:endParaRPr lang="en-US" b="1" dirty="0"/>
+          </a:p>
+          <a:p>
+            <a:pPr marL="742933" lvl="1" indent="-285750">
+              <a:buFont typeface="Arial" panose="020B0604020202020204" pitchFamily="34" charset="0"/>
+              <a:buChar char="•"/>
+            </a:pPr>
+            <a:r>
+              <a:rPr lang="en-US" b="1" dirty="0"/>
+              <a:t>Azure Data Engineer</a:t>
+            </a:r>
+          </a:p>
+          <a:p>
+            <a:pPr marL="742933" lvl="1" indent="-285750">
+              <a:buFont typeface="Arial" panose="020B0604020202020204" pitchFamily="34" charset="0"/>
+              <a:buChar char="•"/>
+            </a:pPr>
+            <a:r>
+              <a:rPr lang="en-US" b="1" dirty="0"/>
+              <a:t>Azure AI Engineer</a:t>
+            </a:r>
+          </a:p>
+          <a:p>
+            <a:pPr marL="742933" lvl="1" indent="-285750">
+              <a:buFont typeface="Arial" panose="020B0604020202020204" pitchFamily="34" charset="0"/>
+              <a:buChar char="•"/>
+            </a:pPr>
+            <a:r>
+              <a:rPr lang="en-US" b="1" dirty="0"/>
+              <a:t>Azure Data Scientist</a:t>
+            </a:r>
+          </a:p>
+          <a:p>
+            <a:r>
+              <a:rPr lang="en-US" b="1" dirty="0">
+                <a:hlinkClick r:id="rId5"/>
+              </a:rPr>
+              <a:t>https://www.microsoft.com/en-us/learning/browse-new-certification.aspx</a:t>
             </a:r>
             <a:r>
               <a:rPr lang="en-US" b="1" dirty="0"/>
@@ -16722,9 +16676,12 @@
 </file>
 
 <file path=customXml/item1.xml><?xml version="1.0" encoding="utf-8"?>
-<p:properties xmlns:p="http://schemas.microsoft.com/office/2006/metadata/properties" xmlns:xsi="http://www.w3.org/2001/XMLSchema-instance" xmlns:pc="http://schemas.microsoft.com/office/infopath/2007/PartnerControls">
-  <documentManagement/>
-</p:properties>
+<?mso-contentType ?>
+<FormTemplates xmlns="http://schemas.microsoft.com/sharepoint/v3/contenttype/forms">
+  <Display>DocumentLibraryForm</Display>
+  <Edit>DocumentLibraryForm</Edit>
+  <New>DocumentLibraryForm</New>
+</FormTemplates>
 </file>
 
 <file path=customXml/item2.xml><?xml version="1.0" encoding="utf-8"?>
@@ -16882,26 +16839,15 @@
 </file>
 
 <file path=customXml/item3.xml><?xml version="1.0" encoding="utf-8"?>
-<?mso-contentType ?>
-<FormTemplates xmlns="http://schemas.microsoft.com/sharepoint/v3/contenttype/forms">
-  <Display>DocumentLibraryForm</Display>
-  <Edit>DocumentLibraryForm</Edit>
-  <New>DocumentLibraryForm</New>
-</FormTemplates>
+<p:properties xmlns:p="http://schemas.microsoft.com/office/2006/metadata/properties" xmlns:xsi="http://www.w3.org/2001/XMLSchema-instance" xmlns:pc="http://schemas.microsoft.com/office/infopath/2007/PartnerControls">
+  <documentManagement/>
+</p:properties>
 </file>
 
 <file path=customXml/itemProps1.xml><?xml version="1.0" encoding="utf-8"?>
-<ds:datastoreItem xmlns:ds="http://schemas.openxmlformats.org/officeDocument/2006/customXml" ds:itemID="{F990F116-B58F-4255-B05B-DA3808E0E5C6}">
+<ds:datastoreItem xmlns:ds="http://schemas.openxmlformats.org/officeDocument/2006/customXml" ds:itemID="{758FDAC0-319D-4A54-8D8E-1D42CB1F8004}">
   <ds:schemaRefs>
-    <ds:schemaRef ds:uri="http://schemas.microsoft.com/office/infopath/2007/PartnerControls"/>
-    <ds:schemaRef ds:uri="http://purl.org/dc/dcmitype/"/>
-    <ds:schemaRef ds:uri="http://schemas.microsoft.com/office/2006/metadata/properties"/>
-    <ds:schemaRef ds:uri="http://purl.org/dc/terms/"/>
-    <ds:schemaRef ds:uri="http://schemas.microsoft.com/office/2006/documentManagement/types"/>
-    <ds:schemaRef ds:uri="http://purl.org/dc/elements/1.1/"/>
-    <ds:schemaRef ds:uri="http://www.w3.org/XML/1998/namespace"/>
-    <ds:schemaRef ds:uri="http://schemas.openxmlformats.org/package/2006/metadata/core-properties"/>
-    <ds:schemaRef ds:uri="630a2e83-186a-4a0f-ab27-bee8a8096abc"/>
+    <ds:schemaRef ds:uri="http://schemas.microsoft.com/sharepoint/v3/contenttype/forms"/>
   </ds:schemaRefs>
 </ds:datastoreItem>
 </file>
@@ -16925,9 +16871,17 @@
 </file>
 
 <file path=customXml/itemProps3.xml><?xml version="1.0" encoding="utf-8"?>
-<ds:datastoreItem xmlns:ds="http://schemas.openxmlformats.org/officeDocument/2006/customXml" ds:itemID="{758FDAC0-319D-4A54-8D8E-1D42CB1F8004}">
+<ds:datastoreItem xmlns:ds="http://schemas.openxmlformats.org/officeDocument/2006/customXml" ds:itemID="{F990F116-B58F-4255-B05B-DA3808E0E5C6}">
   <ds:schemaRefs>
-    <ds:schemaRef ds:uri="http://schemas.microsoft.com/sharepoint/v3/contenttype/forms"/>
+    <ds:schemaRef ds:uri="http://schemas.microsoft.com/office/infopath/2007/PartnerControls"/>
+    <ds:schemaRef ds:uri="http://purl.org/dc/dcmitype/"/>
+    <ds:schemaRef ds:uri="http://schemas.microsoft.com/office/2006/metadata/properties"/>
+    <ds:schemaRef ds:uri="http://purl.org/dc/terms/"/>
+    <ds:schemaRef ds:uri="http://schemas.microsoft.com/office/2006/documentManagement/types"/>
+    <ds:schemaRef ds:uri="http://purl.org/dc/elements/1.1/"/>
+    <ds:schemaRef ds:uri="http://www.w3.org/XML/1998/namespace"/>
+    <ds:schemaRef ds:uri="http://schemas.openxmlformats.org/package/2006/metadata/core-properties"/>
+    <ds:schemaRef ds:uri="630a2e83-186a-4a0f-ab27-bee8a8096abc"/>
   </ds:schemaRefs>
 </ds:datastoreItem>
 </file>